--- a/Club-02-Feature_Engineering_and_Selection/session-03-C3/Chapter 3 A Review of the Predictive Modeling.pptx
+++ b/Club-02-Feature_Engineering_and_Selection/session-03-C3/Chapter 3 A Review of the Predictive Modeling.pptx
@@ -269,7 +269,7 @@
           <a:p>
             <a:fld id="{7A7DDCAA-05A4-4670-A78F-DB685539A46D}" type="datetimeFigureOut">
               <a:rPr lang="en-US" smtClean="0"/>
-              <a:t>3/9/2020</a:t>
+              <a:t>3/11/20</a:t>
             </a:fld>
             <a:endParaRPr lang="en-US"/>
           </a:p>
@@ -467,7 +467,7 @@
           <a:p>
             <a:fld id="{7A7DDCAA-05A4-4670-A78F-DB685539A46D}" type="datetimeFigureOut">
               <a:rPr lang="en-US" smtClean="0"/>
-              <a:t>3/9/2020</a:t>
+              <a:t>3/11/20</a:t>
             </a:fld>
             <a:endParaRPr lang="en-US"/>
           </a:p>
@@ -675,7 +675,7 @@
           <a:p>
             <a:fld id="{7A7DDCAA-05A4-4670-A78F-DB685539A46D}" type="datetimeFigureOut">
               <a:rPr lang="en-US" smtClean="0"/>
-              <a:t>3/9/2020</a:t>
+              <a:t>3/11/20</a:t>
             </a:fld>
             <a:endParaRPr lang="en-US"/>
           </a:p>
@@ -873,7 +873,7 @@
           <a:p>
             <a:fld id="{7A7DDCAA-05A4-4670-A78F-DB685539A46D}" type="datetimeFigureOut">
               <a:rPr lang="en-US" smtClean="0"/>
-              <a:t>3/9/2020</a:t>
+              <a:t>3/11/20</a:t>
             </a:fld>
             <a:endParaRPr lang="en-US"/>
           </a:p>
@@ -1148,7 +1148,7 @@
           <a:p>
             <a:fld id="{7A7DDCAA-05A4-4670-A78F-DB685539A46D}" type="datetimeFigureOut">
               <a:rPr lang="en-US" smtClean="0"/>
-              <a:t>3/9/2020</a:t>
+              <a:t>3/11/20</a:t>
             </a:fld>
             <a:endParaRPr lang="en-US"/>
           </a:p>
@@ -1413,7 +1413,7 @@
           <a:p>
             <a:fld id="{7A7DDCAA-05A4-4670-A78F-DB685539A46D}" type="datetimeFigureOut">
               <a:rPr lang="en-US" smtClean="0"/>
-              <a:t>3/9/2020</a:t>
+              <a:t>3/11/20</a:t>
             </a:fld>
             <a:endParaRPr lang="en-US"/>
           </a:p>
@@ -1825,7 +1825,7 @@
           <a:p>
             <a:fld id="{7A7DDCAA-05A4-4670-A78F-DB685539A46D}" type="datetimeFigureOut">
               <a:rPr lang="en-US" smtClean="0"/>
-              <a:t>3/9/2020</a:t>
+              <a:t>3/11/20</a:t>
             </a:fld>
             <a:endParaRPr lang="en-US"/>
           </a:p>
@@ -1966,7 +1966,7 @@
           <a:p>
             <a:fld id="{7A7DDCAA-05A4-4670-A78F-DB685539A46D}" type="datetimeFigureOut">
               <a:rPr lang="en-US" smtClean="0"/>
-              <a:t>3/9/2020</a:t>
+              <a:t>3/11/20</a:t>
             </a:fld>
             <a:endParaRPr lang="en-US"/>
           </a:p>
@@ -2079,7 +2079,7 @@
           <a:p>
             <a:fld id="{7A7DDCAA-05A4-4670-A78F-DB685539A46D}" type="datetimeFigureOut">
               <a:rPr lang="en-US" smtClean="0"/>
-              <a:t>3/9/2020</a:t>
+              <a:t>3/11/20</a:t>
             </a:fld>
             <a:endParaRPr lang="en-US"/>
           </a:p>
@@ -2390,7 +2390,7 @@
           <a:p>
             <a:fld id="{7A7DDCAA-05A4-4670-A78F-DB685539A46D}" type="datetimeFigureOut">
               <a:rPr lang="en-US" smtClean="0"/>
-              <a:t>3/9/2020</a:t>
+              <a:t>3/11/20</a:t>
             </a:fld>
             <a:endParaRPr lang="en-US"/>
           </a:p>
@@ -2678,7 +2678,7 @@
           <a:p>
             <a:fld id="{7A7DDCAA-05A4-4670-A78F-DB685539A46D}" type="datetimeFigureOut">
               <a:rPr lang="en-US" smtClean="0"/>
-              <a:t>3/9/2020</a:t>
+              <a:t>3/11/20</a:t>
             </a:fld>
             <a:endParaRPr lang="en-US"/>
           </a:p>
@@ -2919,7 +2919,7 @@
           <a:p>
             <a:fld id="{7A7DDCAA-05A4-4670-A78F-DB685539A46D}" type="datetimeFigureOut">
               <a:rPr lang="en-US" smtClean="0"/>
-              <a:t>3/9/2020</a:t>
+              <a:t>3/11/20</a:t>
             </a:fld>
             <a:endParaRPr lang="en-US"/>
           </a:p>
@@ -3359,13 +3359,8 @@
           <a:p>
             <a:r>
               <a:rPr lang="en-US" dirty="0"/>
-              <a:t>Chapter 3 A Review of the Predictive Modeling </a:t>
-            </a:r>
-            <a:r>
-              <a:rPr lang="en-US" dirty="0" err="1"/>
-              <a:t>Proess</a:t>
-            </a:r>
-            <a:endParaRPr lang="en-US" dirty="0"/>
+              <a:t>Chapter 3 A Review of the Predictive Modeling Process</a:t>
+            </a:r>
           </a:p>
         </p:txBody>
       </p:sp>
@@ -3584,12 +3579,12 @@
           </a:p>
           <a:p>
             <a:r>
-              <a:rPr lang="en-US"/>
+              <a:rPr lang="en-US" dirty="0"/>
               <a:t>Stress testing</a:t>
             </a:r>
           </a:p>
           <a:p>
-            <a:endParaRPr lang="en-US"/>
+            <a:endParaRPr lang="en-US" dirty="0"/>
           </a:p>
         </p:txBody>
       </p:sp>
@@ -3878,15 +3873,7 @@
             </a:pPr>
             <a:r>
               <a:rPr lang="en-US" dirty="0"/>
-              <a:t>R </a:t>
-            </a:r>
-            <a:r>
-              <a:rPr lang="en-US" dirty="0" err="1"/>
-              <a:t>squrare</a:t>
-            </a:r>
-            <a:r>
-              <a:rPr lang="en-US" dirty="0"/>
-              <a:t> as a performance metric can how very optimistic results when outcome has large variance</a:t>
+              <a:t>R square as a performance metric can how optimistic results when outcome has large variance</a:t>
             </a:r>
           </a:p>
           <a:p>
@@ -3906,15 +3893,7 @@
             </a:pPr>
             <a:r>
               <a:rPr lang="en-US" dirty="0"/>
-              <a:t>BUT both RMSE and R square are </a:t>
-            </a:r>
-            <a:r>
-              <a:rPr lang="en-US" dirty="0" err="1"/>
-              <a:t>senstive</a:t>
-            </a:r>
-            <a:r>
-              <a:rPr lang="en-US" dirty="0"/>
-              <a:t> to extreme values</a:t>
+              <a:t>BUT both RMSE and R square are sensitive to extreme values</a:t>
             </a:r>
           </a:p>
         </p:txBody>
@@ -4112,7 +4091,7 @@
           <a:p>
             <a:r>
               <a:rPr lang="en-US" dirty="0"/>
-              <a:t>Confusion matric</a:t>
+              <a:t>Confusion matrix</a:t>
             </a:r>
           </a:p>
           <a:p>
@@ -4193,13 +4172,8 @@
             <a:pPr lvl="1"/>
             <a:r>
               <a:rPr lang="en-US" dirty="0"/>
-              <a:t>Equivalent to </a:t>
-            </a:r>
-            <a:r>
-              <a:rPr lang="en-US" dirty="0" err="1"/>
-              <a:t>sensitigity</a:t>
-            </a:r>
-            <a:endParaRPr lang="en-US" dirty="0"/>
+              <a:t>Equivalent to sensitivity</a:t>
+            </a:r>
           </a:p>
         </p:txBody>
       </p:sp>
@@ -4283,25 +4257,16 @@
           <a:lstStyle/>
           <a:p>
             <a:r>
-              <a:rPr lang="en-US" dirty="0" err="1"/>
-              <a:t>Gini&amp;Entropy</a:t>
-            </a:r>
-            <a:r>
-              <a:rPr lang="en-US" dirty="0"/>
-              <a:t> </a:t>
+              <a:rPr lang="en-US" dirty="0"/>
+              <a:t>Gini &amp; Entropy </a:t>
             </a:r>
           </a:p>
           <a:p>
             <a:pPr lvl="1"/>
             <a:r>
               <a:rPr lang="en-US" dirty="0"/>
-              <a:t>Only penalize models that are </a:t>
-            </a:r>
-            <a:r>
-              <a:rPr lang="en-US" dirty="0" err="1"/>
-              <a:t>quivocal</a:t>
-            </a:r>
-            <a:endParaRPr lang="en-US" dirty="0"/>
+              <a:t>A measure of purity</a:t>
+            </a:r>
           </a:p>
           <a:p>
             <a:r>
@@ -4785,7 +4750,7 @@
             <a:pPr lvl="1"/>
             <a:r>
               <a:rPr lang="en-US" dirty="0"/>
-              <a:t>Number of hidden unites</a:t>
+              <a:t>Number of hidden units</a:t>
             </a:r>
           </a:p>
           <a:p>
@@ -4810,12 +4775,8 @@
           </a:p>
           <a:p>
             <a:r>
-              <a:rPr lang="en-US" dirty="0" err="1"/>
-              <a:t>Byesian</a:t>
-            </a:r>
-            <a:r>
-              <a:rPr lang="en-US" dirty="0"/>
-              <a:t> optimization</a:t>
+              <a:rPr lang="en-US" dirty="0"/>
+              <a:t>Bayesian optimization</a:t>
             </a:r>
           </a:p>
           <a:p>
